--- a/Java_2021/Deploying_to_Amazon_Cloud_AWS_EC2/Deploying to Amazon Cloud. AWS EC2.pptx
+++ b/Java_2021/Deploying_to_Amazon_Cloud_AWS_EC2/Deploying to Amazon Cloud. AWS EC2.pptx
@@ -36,7 +36,7 @@
     <p:sldId id="501" r:id="rId27"/>
     <p:sldId id="502" r:id="rId28"/>
     <p:sldId id="503" r:id="rId29"/>
-    <p:sldId id="472" r:id="rId30"/>
+    <p:sldId id="504" r:id="rId30"/>
   </p:sldIdLst>
   <p:sldSz cx="12192000" cy="6858000"/>
   <p:notesSz cx="6858000" cy="9144000"/>
@@ -250,7 +250,7 @@
           <a:p>
             <a:fld id="{62274EC6-3890-417B-9308-14EFBD00FA63}" type="datetimeFigureOut">
               <a:rPr lang="en-US" smtClean="0"/>
-              <a:t>4/25/2022</a:t>
+              <a:t>4/26/2022</a:t>
             </a:fld>
             <a:endParaRPr lang="en-US" dirty="0"/>
           </a:p>
@@ -2465,7 +2465,7 @@
     </p:spTree>
     <p:extLst>
       <p:ext uri="{BB962C8B-B14F-4D97-AF65-F5344CB8AC3E}">
-        <p14:creationId xmlns:p14="http://schemas.microsoft.com/office/powerpoint/2010/main" val="4137454117"/>
+        <p14:creationId xmlns:p14="http://schemas.microsoft.com/office/powerpoint/2010/main" val="3421122730"/>
       </p:ext>
     </p:extLst>
   </p:cSld>
@@ -3278,7 +3278,7 @@
             <a:fld id="{1D8BD707-D9CF-40AE-B4C6-C98DA3205C09}" type="datetimeFigureOut">
               <a:rPr lang="en-US" smtClean="0"/>
               <a:pPr/>
-              <a:t>4/25/2022</a:t>
+              <a:t>4/26/2022</a:t>
             </a:fld>
             <a:endParaRPr lang="en-US" dirty="0"/>
           </a:p>
@@ -3456,7 +3456,7 @@
             <a:fld id="{1D8BD707-D9CF-40AE-B4C6-C98DA3205C09}" type="datetimeFigureOut">
               <a:rPr lang="en-US" smtClean="0"/>
               <a:pPr/>
-              <a:t>4/25/2022</a:t>
+              <a:t>4/26/2022</a:t>
             </a:fld>
             <a:endParaRPr lang="en-US" dirty="0"/>
           </a:p>
@@ -3644,7 +3644,7 @@
             <a:fld id="{1D8BD707-D9CF-40AE-B4C6-C98DA3205C09}" type="datetimeFigureOut">
               <a:rPr lang="en-US" smtClean="0"/>
               <a:pPr/>
-              <a:t>4/25/2022</a:t>
+              <a:t>4/26/2022</a:t>
             </a:fld>
             <a:endParaRPr lang="en-US" dirty="0"/>
           </a:p>
@@ -3822,7 +3822,7 @@
             <a:fld id="{1D8BD707-D9CF-40AE-B4C6-C98DA3205C09}" type="datetimeFigureOut">
               <a:rPr lang="en-US" smtClean="0"/>
               <a:pPr/>
-              <a:t>4/25/2022</a:t>
+              <a:t>4/26/2022</a:t>
             </a:fld>
             <a:endParaRPr lang="en-US" dirty="0"/>
           </a:p>
@@ -4077,7 +4077,7 @@
             <a:fld id="{1D8BD707-D9CF-40AE-B4C6-C98DA3205C09}" type="datetimeFigureOut">
               <a:rPr lang="en-US" smtClean="0"/>
               <a:pPr/>
-              <a:t>4/25/2022</a:t>
+              <a:t>4/26/2022</a:t>
             </a:fld>
             <a:endParaRPr lang="en-US" dirty="0"/>
           </a:p>
@@ -4372,7 +4372,7 @@
             <a:fld id="{1D8BD707-D9CF-40AE-B4C6-C98DA3205C09}" type="datetimeFigureOut">
               <a:rPr lang="en-US" smtClean="0"/>
               <a:pPr/>
-              <a:t>4/25/2022</a:t>
+              <a:t>4/26/2022</a:t>
             </a:fld>
             <a:endParaRPr lang="en-US" dirty="0"/>
           </a:p>
@@ -4806,7 +4806,7 @@
             <a:fld id="{1D8BD707-D9CF-40AE-B4C6-C98DA3205C09}" type="datetimeFigureOut">
               <a:rPr lang="en-US" smtClean="0"/>
               <a:pPr/>
-              <a:t>4/25/2022</a:t>
+              <a:t>4/26/2022</a:t>
             </a:fld>
             <a:endParaRPr lang="en-US" dirty="0"/>
           </a:p>
@@ -4933,7 +4933,7 @@
             <a:fld id="{1D8BD707-D9CF-40AE-B4C6-C98DA3205C09}" type="datetimeFigureOut">
               <a:rPr lang="en-US" smtClean="0"/>
               <a:pPr/>
-              <a:t>4/25/2022</a:t>
+              <a:t>4/26/2022</a:t>
             </a:fld>
             <a:endParaRPr lang="en-US" dirty="0"/>
           </a:p>
@@ -5038,7 +5038,7 @@
             <a:fld id="{1D8BD707-D9CF-40AE-B4C6-C98DA3205C09}" type="datetimeFigureOut">
               <a:rPr lang="en-US" smtClean="0"/>
               <a:pPr/>
-              <a:t>4/25/2022</a:t>
+              <a:t>4/26/2022</a:t>
             </a:fld>
             <a:endParaRPr lang="en-US" dirty="0"/>
           </a:p>
@@ -5323,7 +5323,7 @@
             <a:fld id="{1D8BD707-D9CF-40AE-B4C6-C98DA3205C09}" type="datetimeFigureOut">
               <a:rPr lang="en-US" smtClean="0"/>
               <a:pPr/>
-              <a:t>4/25/2022</a:t>
+              <a:t>4/26/2022</a:t>
             </a:fld>
             <a:endParaRPr lang="en-US" dirty="0"/>
           </a:p>
@@ -5585,7 +5585,7 @@
             <a:fld id="{1D8BD707-D9CF-40AE-B4C6-C98DA3205C09}" type="datetimeFigureOut">
               <a:rPr lang="en-US" smtClean="0"/>
               <a:pPr/>
-              <a:t>4/25/2022</a:t>
+              <a:t>4/26/2022</a:t>
             </a:fld>
             <a:endParaRPr lang="en-US" dirty="0"/>
           </a:p>
@@ -5806,7 +5806,7 @@
             <a:fld id="{1D8BD707-D9CF-40AE-B4C6-C98DA3205C09}" type="datetimeFigureOut">
               <a:rPr lang="en-US" smtClean="0"/>
               <a:pPr/>
-              <a:t>4/25/2022</a:t>
+              <a:t>4/26/2022</a:t>
             </a:fld>
             <a:endParaRPr lang="en-US" dirty="0"/>
           </a:p>
@@ -16364,14 +16364,20 @@
       </p:sp>
       <p:sp>
         <p:nvSpPr>
-          <p:cNvPr id="14" name="Rectangle 13"/>
+          <p:cNvPr id="7" name="Rectangle 6">
+            <a:extLst>
+              <a:ext uri="{FF2B5EF4-FFF2-40B4-BE49-F238E27FC236}">
+                <a16:creationId xmlns:a16="http://schemas.microsoft.com/office/drawing/2014/main" id="{3177545C-EEE8-4B4F-BC37-17141354D0E9}"/>
+              </a:ext>
+            </a:extLst>
+          </p:cNvPr>
           <p:cNvSpPr/>
           <p:nvPr/>
         </p:nvSpPr>
         <p:spPr>
           <a:xfrm>
-            <a:off x="3222948" y="39135"/>
-            <a:ext cx="5768652" cy="400110"/>
+            <a:off x="2321800" y="87868"/>
+            <a:ext cx="7548400" cy="646331"/>
           </a:xfrm>
           <a:prstGeom prst="rect">
             <a:avLst/>
@@ -16493,18 +16499,62 @@
           <a:p>
             <a:pPr algn="ctr"/>
             <a:r>
-              <a:rPr lang="en-US" sz="2000" dirty="0"/>
-              <a:t>Spring Boot - Deploying to Amazon Cloud. AWS EC2</a:t>
-            </a:r>
-          </a:p>
-        </p:txBody>
-      </p:sp>
-      <p:sp>
-        <p:nvSpPr>
-          <p:cNvPr id="4" name="Rectangle 3">
+              <a:rPr lang="en-US" dirty="0"/>
+              <a:t>How to Uninstall MariaDB using Yum Package Manager in Amazon EC2 Instance? | How to Uninstall or Remove Packages from Linux OS?</a:t>
+            </a:r>
+          </a:p>
+        </p:txBody>
+      </p:sp>
+      <p:pic>
+        <p:nvPicPr>
+          <p:cNvPr id="4" name="Picture 3">
             <a:extLst>
               <a:ext uri="{FF2B5EF4-FFF2-40B4-BE49-F238E27FC236}">
-                <a16:creationId xmlns:a16="http://schemas.microsoft.com/office/drawing/2014/main" id="{D77B9781-D75E-4E55-9E2D-07EDF11ACBF0}"/>
+                <a16:creationId xmlns:a16="http://schemas.microsoft.com/office/drawing/2014/main" id="{8CB8129A-007D-4230-89DD-5C304BAD4494}"/>
+              </a:ext>
+            </a:extLst>
+          </p:cNvPr>
+          <p:cNvPicPr>
+            <a:picLocks noChangeAspect="1"/>
+          </p:cNvPicPr>
+          <p:nvPr/>
+        </p:nvPicPr>
+        <p:blipFill>
+          <a:blip r:embed="rId3"/>
+          <a:stretch>
+            <a:fillRect/>
+          </a:stretch>
+        </p:blipFill>
+        <p:spPr>
+          <a:xfrm>
+            <a:off x="817035" y="1828800"/>
+            <a:ext cx="8301565" cy="2516277"/>
+          </a:xfrm>
+          <a:prstGeom prst="rect">
+            <a:avLst/>
+          </a:prstGeom>
+        </p:spPr>
+        <p:style>
+          <a:lnRef idx="1">
+            <a:schemeClr val="accent4"/>
+          </a:lnRef>
+          <a:fillRef idx="3">
+            <a:schemeClr val="accent4"/>
+          </a:fillRef>
+          <a:effectRef idx="2">
+            <a:schemeClr val="accent4"/>
+          </a:effectRef>
+          <a:fontRef idx="minor">
+            <a:schemeClr val="lt1"/>
+          </a:fontRef>
+        </p:style>
+      </p:pic>
+      <p:sp>
+        <p:nvSpPr>
+          <p:cNvPr id="8" name="Rectangle 7">
+            <a:extLst>
+              <a:ext uri="{FF2B5EF4-FFF2-40B4-BE49-F238E27FC236}">
+                <a16:creationId xmlns:a16="http://schemas.microsoft.com/office/drawing/2014/main" id="{663F953A-47BC-4EB3-99A0-578AD5E214C2}"/>
               </a:ext>
             </a:extLst>
           </p:cNvPr>
@@ -16513,38 +16563,164 @@
         </p:nvSpPr>
         <p:spPr>
           <a:xfrm>
-            <a:off x="2888974" y="1981200"/>
-            <a:ext cx="6096000" cy="1603003"/>
+            <a:off x="846852" y="1404944"/>
+            <a:ext cx="6519149" cy="338554"/>
           </a:xfrm>
           <a:prstGeom prst="rect">
             <a:avLst/>
           </a:prstGeom>
         </p:spPr>
-        <p:txBody>
-          <a:bodyPr>
+        <p:style>
+          <a:lnRef idx="1">
+            <a:schemeClr val="accent2"/>
+          </a:lnRef>
+          <a:fillRef idx="3">
+            <a:schemeClr val="accent2"/>
+          </a:fillRef>
+          <a:effectRef idx="2">
+            <a:schemeClr val="accent2"/>
+          </a:effectRef>
+          <a:fontRef idx="minor">
+            <a:schemeClr val="lt1"/>
+          </a:fontRef>
+        </p:style>
+        <p:txBody>
+          <a:bodyPr wrap="square">
             <a:spAutoFit/>
           </a:bodyPr>
           <a:lstStyle/>
           <a:p>
-            <a:endParaRPr lang="en-US" dirty="0"/>
-          </a:p>
-          <a:p>
-            <a:r>
-              <a:rPr lang="en-US" dirty="0"/>
-              <a:t>Tomcat uninstall</a:t>
-            </a:r>
-          </a:p>
-          <a:p>
-            <a:endParaRPr lang="en-US" dirty="0"/>
-          </a:p>
-          <a:p>
-            <a:r>
-              <a:rPr lang="en-US" dirty="0" err="1"/>
-              <a:t>Mariadb</a:t>
-            </a:r>
-            <a:r>
-              <a:rPr lang="en-US" dirty="0"/>
-              <a:t> uninstall</a:t>
+            <a:r>
+              <a:rPr lang="en-US" sz="1600" dirty="0">
+                <a:solidFill>
+                  <a:schemeClr val="bg1"/>
+                </a:solidFill>
+                <a:latin typeface="roboto"/>
+              </a:rPr>
+              <a:t>To </a:t>
+            </a:r>
+            <a:r>
+              <a:rPr lang="en-US" sz="1600" b="1" dirty="0">
+                <a:solidFill>
+                  <a:schemeClr val="bg1"/>
+                </a:solidFill>
+                <a:latin typeface="roboto"/>
+              </a:rPr>
+              <a:t>remove a package from Linux</a:t>
+            </a:r>
+            <a:r>
+              <a:rPr lang="en-US" sz="1600" dirty="0">
+                <a:solidFill>
+                  <a:schemeClr val="bg1"/>
+                </a:solidFill>
+                <a:latin typeface="roboto"/>
+              </a:rPr>
+              <a:t>, use the following yum commands:</a:t>
+            </a:r>
+            <a:endParaRPr lang="en-US" sz="1600" dirty="0">
+              <a:solidFill>
+                <a:schemeClr val="bg1"/>
+              </a:solidFill>
+            </a:endParaRPr>
+          </a:p>
+        </p:txBody>
+      </p:sp>
+      <p:sp>
+        <p:nvSpPr>
+          <p:cNvPr id="9" name="Rectangle 8">
+            <a:extLst>
+              <a:ext uri="{FF2B5EF4-FFF2-40B4-BE49-F238E27FC236}">
+                <a16:creationId xmlns:a16="http://schemas.microsoft.com/office/drawing/2014/main" id="{5B1AD19E-EF1E-46E7-86E6-F6DABA1FC984}"/>
+              </a:ext>
+            </a:extLst>
+          </p:cNvPr>
+          <p:cNvSpPr/>
+          <p:nvPr/>
+        </p:nvSpPr>
+        <p:spPr>
+          <a:xfrm>
+            <a:off x="207436" y="4689346"/>
+            <a:ext cx="11832164" cy="1569660"/>
+          </a:xfrm>
+          <a:prstGeom prst="rect">
+            <a:avLst/>
+          </a:prstGeom>
+          <a:solidFill>
+            <a:schemeClr val="accent1">
+              <a:lumMod val="40000"/>
+              <a:lumOff val="60000"/>
+            </a:schemeClr>
+          </a:solidFill>
+        </p:spPr>
+        <p:txBody>
+          <a:bodyPr wrap="square">
+            <a:spAutoFit/>
+          </a:bodyPr>
+          <a:lstStyle/>
+          <a:p>
+            <a:r>
+              <a:rPr lang="en-US" sz="1600" b="1" dirty="0">
+                <a:latin typeface="roboto"/>
+              </a:rPr>
+              <a:t>Note:</a:t>
+            </a:r>
+            <a:r>
+              <a:rPr lang="en-US" sz="1600" dirty="0">
+                <a:latin typeface="roboto"/>
+              </a:rPr>
+              <a:t> </a:t>
+            </a:r>
+          </a:p>
+          <a:p>
+            <a:endParaRPr lang="en-US" sz="1600" dirty="0">
+              <a:latin typeface="roboto"/>
+            </a:endParaRPr>
+          </a:p>
+          <a:p>
+            <a:pPr marL="285750" indent="-285750">
+              <a:buFont typeface="Wingdings" panose="05000000000000000000" pitchFamily="2" charset="2"/>
+              <a:buChar char="ü"/>
+            </a:pPr>
+            <a:r>
+              <a:rPr lang="en-US" sz="1600" dirty="0">
+                <a:latin typeface="roboto"/>
+              </a:rPr>
+              <a:t>Only root users and users added to the </a:t>
+            </a:r>
+            <a:r>
+              <a:rPr lang="en-US" sz="1600" dirty="0" err="1">
+                <a:latin typeface="roboto"/>
+              </a:rPr>
+              <a:t>sudousers</a:t>
+            </a:r>
+            <a:r>
+              <a:rPr lang="en-US" sz="1600" dirty="0">
+                <a:latin typeface="roboto"/>
+              </a:rPr>
+              <a:t> group have permission to install and remove packages in Linux OS.</a:t>
+            </a:r>
+          </a:p>
+          <a:p>
+            <a:pPr marL="285750" indent="-285750">
+              <a:buFont typeface="Wingdings" panose="05000000000000000000" pitchFamily="2" charset="2"/>
+              <a:buChar char="ü"/>
+            </a:pPr>
+            <a:endParaRPr lang="en-US" sz="1600" dirty="0">
+              <a:latin typeface="roboto"/>
+            </a:endParaRPr>
+          </a:p>
+          <a:p>
+            <a:pPr marL="285750" indent="-285750">
+              <a:buFont typeface="Wingdings" panose="05000000000000000000" pitchFamily="2" charset="2"/>
+              <a:buChar char="ü"/>
+            </a:pPr>
+            <a:r>
+              <a:rPr lang="en-US" sz="1600" dirty="0" err="1"/>
+              <a:t>Uncesscerary</a:t>
+            </a:r>
+            <a:r>
+              <a:rPr lang="en-US" sz="1600" dirty="0"/>
+              <a:t> packages slow down system performance and take up storage space. If specific software isn’t being used, then it’s best to remove it, and doing so is easy.</a:t>
             </a:r>
           </a:p>
         </p:txBody>
@@ -16552,7 +16728,7 @@
     </p:spTree>
     <p:extLst>
       <p:ext uri="{BB962C8B-B14F-4D97-AF65-F5344CB8AC3E}">
-        <p14:creationId xmlns:p14="http://schemas.microsoft.com/office/powerpoint/2010/main" val="1683088280"/>
+        <p14:creationId xmlns:p14="http://schemas.microsoft.com/office/powerpoint/2010/main" val="624594278"/>
       </p:ext>
     </p:extLst>
   </p:cSld>
